--- a/Bases de Datos/1º Evaluación/TEMA3/Ejercicios/Normalización/NORMALIZACIÓN Eduardo y Mario.pptx
+++ b/Bases de Datos/1º Evaluación/TEMA3/Ejercicios/Normalización/NORMALIZACIÓN Eduardo y Mario.pptx
@@ -113,6 +113,11 @@
       </a:defRPr>
     </a:lvl9pPr>
   </p:defaultTextStyle>
+  <p:extLst>
+    <p:ext uri="{EFAFB233-063F-42B5-8137-9DF3F51BA10A}">
+      <p15:sldGuideLst xmlns:p15="http://schemas.microsoft.com/office/powerpoint/2012/main"/>
+    </p:ext>
+  </p:extLst>
 </p:presentation>
 </file>
 
@@ -1131,7 +1136,7 @@
           <a:p>
             <a:fld id="{76969C88-B244-455D-A017-012B25B1ACDD}" type="datetimeFigureOut">
               <a:rPr lang="en-US" smtClean="0"/>
-              <a:t>12/6/2022</a:t>
+              <a:t>12/20/2022</a:t>
             </a:fld>
             <a:endParaRPr lang="en-US"/>
           </a:p>
@@ -1329,7 +1334,7 @@
           <a:p>
             <a:fld id="{76969C88-B244-455D-A017-012B25B1ACDD}" type="datetimeFigureOut">
               <a:rPr lang="en-US" smtClean="0"/>
-              <a:t>12/6/2022</a:t>
+              <a:t>12/20/2022</a:t>
             </a:fld>
             <a:endParaRPr lang="en-US"/>
           </a:p>
@@ -1537,7 +1542,7 @@
           <a:p>
             <a:fld id="{76969C88-B244-455D-A017-012B25B1ACDD}" type="datetimeFigureOut">
               <a:rPr lang="en-US" smtClean="0"/>
-              <a:t>12/6/2022</a:t>
+              <a:t>12/20/2022</a:t>
             </a:fld>
             <a:endParaRPr lang="en-US"/>
           </a:p>
@@ -1736,7 +1741,7 @@
           <a:p>
             <a:fld id="{76969C88-B244-455D-A017-012B25B1ACDD}" type="datetimeFigureOut">
               <a:rPr lang="en-US" smtClean="0"/>
-              <a:t>12/6/2022</a:t>
+              <a:t>12/20/2022</a:t>
             </a:fld>
             <a:endParaRPr lang="en-US"/>
           </a:p>
@@ -2011,7 +2016,7 @@
           <a:p>
             <a:fld id="{76969C88-B244-455D-A017-012B25B1ACDD}" type="datetimeFigureOut">
               <a:rPr lang="en-US" smtClean="0"/>
-              <a:t>12/6/2022</a:t>
+              <a:t>12/20/2022</a:t>
             </a:fld>
             <a:endParaRPr lang="en-US"/>
           </a:p>
@@ -2276,7 +2281,7 @@
           <a:p>
             <a:fld id="{76969C88-B244-455D-A017-012B25B1ACDD}" type="datetimeFigureOut">
               <a:rPr lang="en-US" smtClean="0"/>
-              <a:t>12/6/2022</a:t>
+              <a:t>12/20/2022</a:t>
             </a:fld>
             <a:endParaRPr lang="en-US"/>
           </a:p>
@@ -2688,7 +2693,7 @@
           <a:p>
             <a:fld id="{76969C88-B244-455D-A017-012B25B1ACDD}" type="datetimeFigureOut">
               <a:rPr lang="en-US" smtClean="0"/>
-              <a:t>12/6/2022</a:t>
+              <a:t>12/20/2022</a:t>
             </a:fld>
             <a:endParaRPr lang="en-US"/>
           </a:p>
@@ -2829,7 +2834,7 @@
           <a:p>
             <a:fld id="{76969C88-B244-455D-A017-012B25B1ACDD}" type="datetimeFigureOut">
               <a:rPr lang="en-US" smtClean="0"/>
-              <a:t>12/6/2022</a:t>
+              <a:t>12/20/2022</a:t>
             </a:fld>
             <a:endParaRPr lang="en-US"/>
           </a:p>
@@ -2942,7 +2947,7 @@
           <a:p>
             <a:fld id="{76969C88-B244-455D-A017-012B25B1ACDD}" type="datetimeFigureOut">
               <a:rPr lang="en-US" smtClean="0"/>
-              <a:t>12/6/2022</a:t>
+              <a:t>12/20/2022</a:t>
             </a:fld>
             <a:endParaRPr lang="en-US"/>
           </a:p>
@@ -3254,7 +3259,7 @@
           <a:p>
             <a:fld id="{76969C88-B244-455D-A017-012B25B1ACDD}" type="datetimeFigureOut">
               <a:rPr lang="en-US" smtClean="0"/>
-              <a:t>12/6/2022</a:t>
+              <a:t>12/20/2022</a:t>
             </a:fld>
             <a:endParaRPr lang="en-US"/>
           </a:p>
@@ -3545,7 +3550,7 @@
           <a:p>
             <a:fld id="{76969C88-B244-455D-A017-012B25B1ACDD}" type="datetimeFigureOut">
               <a:rPr lang="en-US" smtClean="0"/>
-              <a:t>12/6/2022</a:t>
+              <a:t>12/20/2022</a:t>
             </a:fld>
             <a:endParaRPr lang="en-US"/>
           </a:p>
@@ -4301,7 +4306,7 @@
             <a:fld id="{76969C88-B244-455D-A017-012B25B1ACDD}" type="datetimeFigureOut">
               <a:rPr lang="en-US" smtClean="0"/>
               <a:pPr/>
-              <a:t>12/6/2022</a:t>
+              <a:t>12/20/2022</a:t>
             </a:fld>
             <a:endParaRPr lang="en-US"/>
           </a:p>
@@ -6916,7 +6921,15 @@
           <a:p>
             <a:r>
               <a:rPr lang="es-ES" sz="2400" dirty="0"/>
-              <a:t>La normalización consiste en comprobar si el esquema relacional esta en primera, segunda o tercera Forma Normal </a:t>
+              <a:t>La normalización consiste en comprobar si la </a:t>
+            </a:r>
+            <a:r>
+              <a:rPr lang="es-ES" sz="2400"/>
+              <a:t>tablaesta</a:t>
+            </a:r>
+            <a:r>
+              <a:rPr lang="es-ES" sz="2400" dirty="0"/>
+              <a:t> en primera, segunda o tercera Forma Normal </a:t>
             </a:r>
           </a:p>
         </p:txBody>
